--- a/DataScienceGuidedCapstone-master/GCDocuments/Problem_Statement_Worksheet.pptx
+++ b/DataScienceGuidedCapstone-master/GCDocuments/Problem_Statement_Worksheet.pptx
@@ -4792,7 +4792,7 @@
             </a:pPr>
             <a:r>
               <a:rPr lang="en-AU" sz="1070" b="1" dirty="0"/>
-              <a:t>To find out if Big Mountain resort is capitalizing as much on its facilities optimally and if there is a better value for their ticket price.</a:t>
+              <a:t>To find out if Big Mountain resort is capitalizing on its facilities optimally and if there is a better value for their ticket price.</a:t>
             </a:r>
           </a:p>
           <a:p>
@@ -4913,7 +4913,7 @@
             <a:pPr lvl="0"/>
             <a:r>
               <a:rPr lang="en-CA" sz="1071" b="1" dirty="0"/>
-              <a:t>Decrease the operation cost without negatively impacting previous profit margins</a:t>
+              <a:t>Decrease the operation cost without negatively impacting previous profit margins.</a:t>
             </a:r>
             <a:endParaRPr sz="1071" b="1" i="0" u="none" strike="noStrike" cap="none" dirty="0">
               <a:solidFill>
@@ -6084,10 +6084,9 @@
               <a:buSzPts val="1400"/>
             </a:pPr>
             <a:r>
-              <a:rPr lang="en-AU" b="1"/>
-              <a:t>Are there any possibilities concerning Big Mountain Resort to create a more efficient pricing strategy that maximally capitalizes on their facilities and offsets their current operating cost at $1,540,000 this season?</a:t>
-            </a:r>
-            <a:endParaRPr lang="en-AU" b="1" dirty="0"/>
+              <a:rPr lang="en-AU" b="1" dirty="0"/>
+              <a:t>Are there any possibilities concerning Big Mountain Resort to create a more efficient pricing strategy that maximally capitalizes on their facilities and offsets their current operating cost ?</a:t>
+            </a:r>
           </a:p>
         </p:txBody>
       </p:sp>
